--- a/Power Point Presentation-bk.pptx
+++ b/Power Point Presentation-bk.pptx
@@ -5,7 +5,7 @@
     <p:sldMasterId id="2147483704" r:id="rId1"/>
   </p:sldMasterIdLst>
   <p:notesMasterIdLst>
-    <p:notesMasterId r:id="rId15"/>
+    <p:notesMasterId r:id="rId26"/>
   </p:notesMasterIdLst>
   <p:sldIdLst>
     <p:sldId id="256" r:id="rId2"/>
@@ -20,7 +20,18 @@
     <p:sldId id="272" r:id="rId11"/>
     <p:sldId id="273" r:id="rId12"/>
     <p:sldId id="274" r:id="rId13"/>
-    <p:sldId id="264" r:id="rId14"/>
+    <p:sldId id="275" r:id="rId14"/>
+    <p:sldId id="276" r:id="rId15"/>
+    <p:sldId id="277" r:id="rId16"/>
+    <p:sldId id="278" r:id="rId17"/>
+    <p:sldId id="279" r:id="rId18"/>
+    <p:sldId id="280" r:id="rId19"/>
+    <p:sldId id="281" r:id="rId20"/>
+    <p:sldId id="282" r:id="rId21"/>
+    <p:sldId id="283" r:id="rId22"/>
+    <p:sldId id="284" r:id="rId23"/>
+    <p:sldId id="285" r:id="rId24"/>
+    <p:sldId id="286" r:id="rId25"/>
   </p:sldIdLst>
   <p:sldSz cx="9144000" cy="6858000" type="screen4x3"/>
   <p:notesSz cx="6858000" cy="9144000"/>
@@ -119,6 +130,11 @@
       </a:defRPr>
     </a:lvl9pPr>
   </p:defaultTextStyle>
+  <p:extLst>
+    <p:ext uri="{EFAFB233-063F-42B5-8137-9DF3F51BA10A}">
+      <p15:sldGuideLst xmlns:p15="http://schemas.microsoft.com/office/powerpoint/2012/main"/>
+    </p:ext>
+  </p:extLst>
 </p:presentation>
 </file>
 
@@ -842,7 +858,7 @@
             <a:fld id="{96DFF08F-DC6B-4601-B491-B0F83F6DD2DA}" type="datetimeFigureOut">
               <a:rPr lang="en-US" smtClean="0"/>
               <a:pPr/>
-              <a:t>2/24/2016</a:t>
+              <a:t>2/25/2016</a:t>
             </a:fld>
             <a:endParaRPr lang="en-US" dirty="0"/>
           </a:p>
@@ -4940,7 +4956,7 @@
           <a:p>
             <a:fld id="{96DFF08F-DC6B-4601-B491-B0F83F6DD2DA}" type="datetimeFigureOut">
               <a:rPr lang="en-US" smtClean="0"/>
-              <a:t>2/24/2016</a:t>
+              <a:t>2/25/2016</a:t>
             </a:fld>
             <a:endParaRPr lang="en-US" dirty="0"/>
           </a:p>
@@ -7410,7 +7426,977 @@
       </p:grpSpPr>
       <p:sp>
         <p:nvSpPr>
-          <p:cNvPr id="99" name="TextShape 1"/>
+          <p:cNvPr id="2" name="Title 1"/>
+          <p:cNvSpPr>
+            <a:spLocks noGrp="1"/>
+          </p:cNvSpPr>
+          <p:nvPr>
+            <p:ph type="title"/>
+          </p:nvPr>
+        </p:nvSpPr>
+        <p:spPr>
+          <a:xfrm>
+            <a:off x="533399" y="271272"/>
+            <a:ext cx="6554867" cy="1524000"/>
+          </a:xfrm>
+        </p:spPr>
+        <p:txBody>
+          <a:bodyPr/>
+          <a:lstStyle/>
+          <a:p>
+            <a:pPr algn="ctr"/>
+            <a:r>
+              <a:rPr lang="en-US" dirty="0" smtClean="0"/>
+              <a:t>Player vs Player mode</a:t>
+            </a:r>
+            <a:endParaRPr lang="en-US" dirty="0"/>
+          </a:p>
+        </p:txBody>
+      </p:sp>
+      <p:sp>
+        <p:nvSpPr>
+          <p:cNvPr id="3" name="Content Placeholder 2"/>
+          <p:cNvSpPr>
+            <a:spLocks noGrp="1"/>
+          </p:cNvSpPr>
+          <p:nvPr>
+            <p:ph idx="1"/>
+          </p:nvPr>
+        </p:nvSpPr>
+        <p:spPr>
+          <a:xfrm>
+            <a:off x="533399" y="2435352"/>
+            <a:ext cx="6554867" cy="3767670"/>
+          </a:xfrm>
+        </p:spPr>
+        <p:txBody>
+          <a:bodyPr/>
+          <a:lstStyle/>
+          <a:p>
+            <a:pPr>
+              <a:buFont typeface="Arial" panose="020B0604020202020204" pitchFamily="34" charset="0"/>
+              <a:buChar char="•"/>
+            </a:pPr>
+            <a:r>
+              <a:rPr lang="en-US" dirty="0" smtClean="0">
+                <a:solidFill>
+                  <a:schemeClr val="tx1"/>
+                </a:solidFill>
+              </a:rPr>
+              <a:t>Player vs Player is mode allows the player to player against another person.</a:t>
+            </a:r>
+          </a:p>
+          <a:p>
+            <a:pPr>
+              <a:buFont typeface="Arial" panose="020B0604020202020204" pitchFamily="34" charset="0"/>
+              <a:buChar char="•"/>
+            </a:pPr>
+            <a:r>
+              <a:rPr lang="en-US" dirty="0" smtClean="0">
+                <a:solidFill>
+                  <a:schemeClr val="tx1"/>
+                </a:solidFill>
+              </a:rPr>
+              <a:t>This concepts goes as:</a:t>
+            </a:r>
+          </a:p>
+          <a:p>
+            <a:pPr lvl="1">
+              <a:buFont typeface="Arial" panose="020B0604020202020204" pitchFamily="34" charset="0"/>
+              <a:buChar char="•"/>
+            </a:pPr>
+            <a:r>
+              <a:rPr lang="en-US" dirty="0" smtClean="0">
+                <a:solidFill>
+                  <a:schemeClr val="tx1"/>
+                </a:solidFill>
+              </a:rPr>
+              <a:t>Start of the game, an initial option will be given to which player goes first</a:t>
+            </a:r>
+          </a:p>
+          <a:p>
+            <a:pPr lvl="1">
+              <a:buFont typeface="Arial" panose="020B0604020202020204" pitchFamily="34" charset="0"/>
+              <a:buChar char="•"/>
+            </a:pPr>
+            <a:r>
+              <a:rPr lang="en-US" dirty="0" smtClean="0">
+                <a:solidFill>
+                  <a:schemeClr val="tx1"/>
+                </a:solidFill>
+              </a:rPr>
+              <a:t>Then each player will take turns</a:t>
+            </a:r>
+          </a:p>
+          <a:p>
+            <a:pPr lvl="1">
+              <a:buFont typeface="Arial" panose="020B0604020202020204" pitchFamily="34" charset="0"/>
+              <a:buChar char="•"/>
+            </a:pPr>
+            <a:r>
+              <a:rPr lang="en-US" dirty="0" smtClean="0">
+                <a:solidFill>
+                  <a:schemeClr val="tx1"/>
+                </a:solidFill>
+              </a:rPr>
+              <a:t>The one with the most squares connect will win.</a:t>
+            </a:r>
+            <a:endParaRPr lang="en-US" dirty="0">
+              <a:solidFill>
+                <a:schemeClr val="tx1"/>
+              </a:solidFill>
+            </a:endParaRPr>
+          </a:p>
+        </p:txBody>
+      </p:sp>
+    </p:spTree>
+    <p:extLst>
+      <p:ext uri="{BB962C8B-B14F-4D97-AF65-F5344CB8AC3E}">
+        <p14:creationId xmlns:p14="http://schemas.microsoft.com/office/powerpoint/2010/main" val="1448305639"/>
+      </p:ext>
+    </p:extLst>
+  </p:cSld>
+  <p:clrMapOvr>
+    <a:masterClrMapping/>
+  </p:clrMapOvr>
+</p:sld>
+</file>
+
+<file path=ppt/slides/slide14.xml><?xml version="1.0" encoding="utf-8"?>
+<p:sld xmlns:a="http://schemas.openxmlformats.org/drawingml/2006/main" xmlns:r="http://schemas.openxmlformats.org/officeDocument/2006/relationships" xmlns:p="http://schemas.openxmlformats.org/presentationml/2006/main">
+  <p:cSld>
+    <p:spTree>
+      <p:nvGrpSpPr>
+        <p:cNvPr id="1" name=""/>
+        <p:cNvGrpSpPr/>
+        <p:nvPr/>
+      </p:nvGrpSpPr>
+      <p:grpSpPr>
+        <a:xfrm>
+          <a:off x="0" y="0"/>
+          <a:ext cx="0" cy="0"/>
+          <a:chOff x="0" y="0"/>
+          <a:chExt cx="0" cy="0"/>
+        </a:xfrm>
+      </p:grpSpPr>
+      <p:sp>
+        <p:nvSpPr>
+          <p:cNvPr id="2" name="Title 1"/>
+          <p:cNvSpPr>
+            <a:spLocks noGrp="1"/>
+          </p:cNvSpPr>
+          <p:nvPr>
+            <p:ph type="title"/>
+          </p:nvPr>
+        </p:nvSpPr>
+        <p:spPr>
+          <a:xfrm>
+            <a:off x="1072894" y="146304"/>
+            <a:ext cx="6554867" cy="1524000"/>
+          </a:xfrm>
+        </p:spPr>
+        <p:txBody>
+          <a:bodyPr/>
+          <a:lstStyle/>
+          <a:p>
+            <a:r>
+              <a:rPr lang="en-US" dirty="0" smtClean="0"/>
+              <a:t>Player vs play diagram</a:t>
+            </a:r>
+            <a:endParaRPr lang="en-US" dirty="0"/>
+          </a:p>
+        </p:txBody>
+      </p:sp>
+      <p:sp>
+        <p:nvSpPr>
+          <p:cNvPr id="3" name="Content Placeholder 2"/>
+          <p:cNvSpPr>
+            <a:spLocks noGrp="1"/>
+          </p:cNvSpPr>
+          <p:nvPr>
+            <p:ph idx="1"/>
+          </p:nvPr>
+        </p:nvSpPr>
+        <p:spPr>
+          <a:xfrm>
+            <a:off x="1072895" y="2499360"/>
+            <a:ext cx="6554867" cy="3767670"/>
+          </a:xfrm>
+        </p:spPr>
+        <p:txBody>
+          <a:bodyPr/>
+          <a:lstStyle/>
+          <a:p>
+            <a:endParaRPr lang="en-US" dirty="0"/>
+          </a:p>
+        </p:txBody>
+      </p:sp>
+    </p:spTree>
+    <p:extLst>
+      <p:ext uri="{BB962C8B-B14F-4D97-AF65-F5344CB8AC3E}">
+        <p14:creationId xmlns:p14="http://schemas.microsoft.com/office/powerpoint/2010/main" val="2210042184"/>
+      </p:ext>
+    </p:extLst>
+  </p:cSld>
+  <p:clrMapOvr>
+    <a:masterClrMapping/>
+  </p:clrMapOvr>
+</p:sld>
+</file>
+
+<file path=ppt/slides/slide15.xml><?xml version="1.0" encoding="utf-8"?>
+<p:sld xmlns:a="http://schemas.openxmlformats.org/drawingml/2006/main" xmlns:r="http://schemas.openxmlformats.org/officeDocument/2006/relationships" xmlns:p="http://schemas.openxmlformats.org/presentationml/2006/main">
+  <p:cSld>
+    <p:spTree>
+      <p:nvGrpSpPr>
+        <p:cNvPr id="1" name=""/>
+        <p:cNvGrpSpPr/>
+        <p:nvPr/>
+      </p:nvGrpSpPr>
+      <p:grpSpPr>
+        <a:xfrm>
+          <a:off x="0" y="0"/>
+          <a:ext cx="0" cy="0"/>
+          <a:chOff x="0" y="0"/>
+          <a:chExt cx="0" cy="0"/>
+        </a:xfrm>
+      </p:grpSpPr>
+      <p:sp>
+        <p:nvSpPr>
+          <p:cNvPr id="2" name="Title 1"/>
+          <p:cNvSpPr>
+            <a:spLocks noGrp="1"/>
+          </p:cNvSpPr>
+          <p:nvPr>
+            <p:ph type="title"/>
+          </p:nvPr>
+        </p:nvSpPr>
+        <p:spPr>
+          <a:xfrm>
+            <a:off x="533400" y="307848"/>
+            <a:ext cx="6554867" cy="1524000"/>
+          </a:xfrm>
+        </p:spPr>
+        <p:txBody>
+          <a:bodyPr/>
+          <a:lstStyle/>
+          <a:p>
+            <a:pPr algn="ctr"/>
+            <a:r>
+              <a:rPr lang="en-US" dirty="0" smtClean="0"/>
+              <a:t>Player vs ai</a:t>
+            </a:r>
+            <a:endParaRPr lang="en-US" dirty="0"/>
+          </a:p>
+        </p:txBody>
+      </p:sp>
+      <p:sp>
+        <p:nvSpPr>
+          <p:cNvPr id="3" name="Content Placeholder 2"/>
+          <p:cNvSpPr>
+            <a:spLocks noGrp="1"/>
+          </p:cNvSpPr>
+          <p:nvPr>
+            <p:ph idx="1"/>
+          </p:nvPr>
+        </p:nvSpPr>
+        <p:spPr>
+          <a:xfrm>
+            <a:off x="533400" y="2307336"/>
+            <a:ext cx="6554867" cy="3767670"/>
+          </a:xfrm>
+        </p:spPr>
+        <p:txBody>
+          <a:bodyPr/>
+          <a:lstStyle/>
+          <a:p>
+            <a:pPr>
+              <a:buFont typeface="Arial" panose="020B0604020202020204" pitchFamily="34" charset="0"/>
+              <a:buChar char="•"/>
+            </a:pPr>
+            <a:r>
+              <a:rPr lang="en-US" dirty="0" smtClean="0">
+                <a:solidFill>
+                  <a:schemeClr val="tx1"/>
+                </a:solidFill>
+              </a:rPr>
+              <a:t>The </a:t>
+            </a:r>
+            <a:r>
+              <a:rPr lang="en-US" dirty="0" smtClean="0">
+                <a:solidFill>
+                  <a:schemeClr val="tx1"/>
+                </a:solidFill>
+              </a:rPr>
+              <a:t>player vs AI mode is going against th</a:t>
+            </a:r>
+            <a:r>
+              <a:rPr lang="en-US" dirty="0" smtClean="0">
+                <a:solidFill>
+                  <a:schemeClr val="tx1"/>
+                </a:solidFill>
+              </a:rPr>
+              <a:t>e artificial intelligence.</a:t>
+            </a:r>
+          </a:p>
+          <a:p>
+            <a:pPr>
+              <a:buFont typeface="Arial" panose="020B0604020202020204" pitchFamily="34" charset="0"/>
+              <a:buChar char="•"/>
+            </a:pPr>
+            <a:r>
+              <a:rPr lang="en-US" dirty="0" smtClean="0">
+                <a:solidFill>
+                  <a:schemeClr val="tx1"/>
+                </a:solidFill>
+              </a:rPr>
+              <a:t>This mode will go as described:</a:t>
+            </a:r>
+          </a:p>
+          <a:p>
+            <a:pPr lvl="1">
+              <a:buFont typeface="Arial" panose="020B0604020202020204" pitchFamily="34" charset="0"/>
+              <a:buChar char="•"/>
+            </a:pPr>
+            <a:r>
+              <a:rPr lang="en-US" dirty="0" smtClean="0">
+                <a:solidFill>
+                  <a:schemeClr val="tx1"/>
+                </a:solidFill>
+              </a:rPr>
+              <a:t>Player will be given option to go first or AI</a:t>
+            </a:r>
+          </a:p>
+          <a:p>
+            <a:pPr lvl="1">
+              <a:buFont typeface="Arial" panose="020B0604020202020204" pitchFamily="34" charset="0"/>
+              <a:buChar char="•"/>
+            </a:pPr>
+            <a:r>
+              <a:rPr lang="en-US" dirty="0" smtClean="0">
+                <a:solidFill>
+                  <a:schemeClr val="tx1"/>
+                </a:solidFill>
+              </a:rPr>
+              <a:t>They take turns until the end</a:t>
+            </a:r>
+          </a:p>
+          <a:p>
+            <a:pPr lvl="1">
+              <a:buFont typeface="Arial" panose="020B0604020202020204" pitchFamily="34" charset="0"/>
+              <a:buChar char="•"/>
+            </a:pPr>
+            <a:r>
+              <a:rPr lang="en-US" dirty="0" smtClean="0">
+                <a:solidFill>
+                  <a:schemeClr val="tx1"/>
+                </a:solidFill>
+              </a:rPr>
+              <a:t>Player with the most connected squares wins</a:t>
+            </a:r>
+          </a:p>
+          <a:p>
+            <a:pPr lvl="1">
+              <a:buFont typeface="Arial" panose="020B0604020202020204" pitchFamily="34" charset="0"/>
+              <a:buChar char="•"/>
+            </a:pPr>
+            <a:r>
+              <a:rPr lang="en-US" dirty="0" smtClean="0">
+                <a:solidFill>
+                  <a:schemeClr val="tx1"/>
+                </a:solidFill>
+              </a:rPr>
+              <a:t>Score updated and menu will be presented to quit or play again</a:t>
+            </a:r>
+            <a:endParaRPr lang="en-US" dirty="0">
+              <a:solidFill>
+                <a:schemeClr val="tx1"/>
+              </a:solidFill>
+            </a:endParaRPr>
+          </a:p>
+        </p:txBody>
+      </p:sp>
+    </p:spTree>
+    <p:extLst>
+      <p:ext uri="{BB962C8B-B14F-4D97-AF65-F5344CB8AC3E}">
+        <p14:creationId xmlns:p14="http://schemas.microsoft.com/office/powerpoint/2010/main" val="76373809"/>
+      </p:ext>
+    </p:extLst>
+  </p:cSld>
+  <p:clrMapOvr>
+    <a:masterClrMapping/>
+  </p:clrMapOvr>
+  <p:timing>
+    <p:tnLst>
+      <p:par>
+        <p:cTn id="1" dur="indefinite" restart="never" nodeType="tmRoot"/>
+      </p:par>
+    </p:tnLst>
+  </p:timing>
+</p:sld>
+</file>
+
+<file path=ppt/slides/slide16.xml><?xml version="1.0" encoding="utf-8"?>
+<p:sld xmlns:a="http://schemas.openxmlformats.org/drawingml/2006/main" xmlns:r="http://schemas.openxmlformats.org/officeDocument/2006/relationships" xmlns:p="http://schemas.openxmlformats.org/presentationml/2006/main">
+  <p:cSld>
+    <p:spTree>
+      <p:nvGrpSpPr>
+        <p:cNvPr id="1" name=""/>
+        <p:cNvGrpSpPr/>
+        <p:nvPr/>
+      </p:nvGrpSpPr>
+      <p:grpSpPr>
+        <a:xfrm>
+          <a:off x="0" y="0"/>
+          <a:ext cx="0" cy="0"/>
+          <a:chOff x="0" y="0"/>
+          <a:chExt cx="0" cy="0"/>
+        </a:xfrm>
+      </p:grpSpPr>
+      <p:sp>
+        <p:nvSpPr>
+          <p:cNvPr id="2" name="Title 1"/>
+          <p:cNvSpPr>
+            <a:spLocks noGrp="1"/>
+          </p:cNvSpPr>
+          <p:nvPr>
+            <p:ph type="title"/>
+          </p:nvPr>
+        </p:nvSpPr>
+        <p:spPr>
+          <a:xfrm>
+            <a:off x="533400" y="307848"/>
+            <a:ext cx="6554867" cy="1524000"/>
+          </a:xfrm>
+        </p:spPr>
+        <p:txBody>
+          <a:bodyPr/>
+          <a:lstStyle/>
+          <a:p>
+            <a:pPr algn="ctr"/>
+            <a:r>
+              <a:rPr lang="en-US" dirty="0" smtClean="0"/>
+              <a:t>Mode of Ai</a:t>
+            </a:r>
+            <a:endParaRPr lang="en-US" dirty="0"/>
+          </a:p>
+        </p:txBody>
+      </p:sp>
+      <p:sp>
+        <p:nvSpPr>
+          <p:cNvPr id="3" name="Content Placeholder 2"/>
+          <p:cNvSpPr>
+            <a:spLocks noGrp="1"/>
+          </p:cNvSpPr>
+          <p:nvPr>
+            <p:ph idx="1"/>
+          </p:nvPr>
+        </p:nvSpPr>
+        <p:spPr>
+          <a:xfrm>
+            <a:off x="533400" y="2307336"/>
+            <a:ext cx="6554867" cy="3767670"/>
+          </a:xfrm>
+        </p:spPr>
+        <p:txBody>
+          <a:bodyPr/>
+          <a:lstStyle/>
+          <a:p>
+            <a:pPr>
+              <a:buFont typeface="Arial" panose="020B0604020202020204" pitchFamily="34" charset="0"/>
+              <a:buChar char="•"/>
+            </a:pPr>
+            <a:r>
+              <a:rPr lang="en-US" dirty="0" smtClean="0">
+                <a:solidFill>
+                  <a:schemeClr val="tx1"/>
+                </a:solidFill>
+              </a:rPr>
+              <a:t>Beware of the AI because it has different levels:</a:t>
+            </a:r>
+            <a:endParaRPr lang="en-US" dirty="0">
+              <a:solidFill>
+                <a:schemeClr val="tx1"/>
+              </a:solidFill>
+            </a:endParaRPr>
+          </a:p>
+          <a:p>
+            <a:pPr>
+              <a:buFont typeface="Arial" panose="020B0604020202020204" pitchFamily="34" charset="0"/>
+              <a:buChar char="•"/>
+            </a:pPr>
+            <a:r>
+              <a:rPr lang="en-US" dirty="0" smtClean="0">
+                <a:solidFill>
+                  <a:schemeClr val="tx1"/>
+                </a:solidFill>
+              </a:rPr>
+              <a:t>Each level will be more challenging:</a:t>
+            </a:r>
+          </a:p>
+          <a:p>
+            <a:pPr lvl="1">
+              <a:buFont typeface="Arial" panose="020B0604020202020204" pitchFamily="34" charset="0"/>
+              <a:buChar char="•"/>
+            </a:pPr>
+            <a:r>
+              <a:rPr lang="en-US" dirty="0" smtClean="0">
+                <a:solidFill>
+                  <a:schemeClr val="tx1"/>
+                </a:solidFill>
+              </a:rPr>
+              <a:t>Easy mode will be towards 25% chance of winning</a:t>
+            </a:r>
+          </a:p>
+          <a:p>
+            <a:pPr lvl="1">
+              <a:buFont typeface="Arial" panose="020B0604020202020204" pitchFamily="34" charset="0"/>
+              <a:buChar char="•"/>
+            </a:pPr>
+            <a:r>
+              <a:rPr lang="en-US" dirty="0" smtClean="0">
+                <a:solidFill>
+                  <a:schemeClr val="tx1"/>
+                </a:solidFill>
+              </a:rPr>
+              <a:t>Medium mode will be %10 - 7% chance of winning</a:t>
+            </a:r>
+          </a:p>
+          <a:p>
+            <a:pPr lvl="1">
+              <a:buFont typeface="Arial" panose="020B0604020202020204" pitchFamily="34" charset="0"/>
+              <a:buChar char="•"/>
+            </a:pPr>
+            <a:r>
+              <a:rPr lang="en-US" dirty="0" smtClean="0">
+                <a:solidFill>
+                  <a:schemeClr val="tx1"/>
+                </a:solidFill>
+              </a:rPr>
+              <a:t>HARD mode will be less than 4% winning chances.</a:t>
+            </a:r>
+          </a:p>
+        </p:txBody>
+      </p:sp>
+    </p:spTree>
+    <p:extLst>
+      <p:ext uri="{BB962C8B-B14F-4D97-AF65-F5344CB8AC3E}">
+        <p14:creationId xmlns:p14="http://schemas.microsoft.com/office/powerpoint/2010/main" val="3389808387"/>
+      </p:ext>
+    </p:extLst>
+  </p:cSld>
+  <p:clrMapOvr>
+    <a:masterClrMapping/>
+  </p:clrMapOvr>
+  <p:timing>
+    <p:tnLst>
+      <p:par>
+        <p:cTn id="1" dur="indefinite" restart="never" nodeType="tmRoot"/>
+      </p:par>
+    </p:tnLst>
+  </p:timing>
+</p:sld>
+</file>
+
+<file path=ppt/slides/slide17.xml><?xml version="1.0" encoding="utf-8"?>
+<p:sld xmlns:a="http://schemas.openxmlformats.org/drawingml/2006/main" xmlns:r="http://schemas.openxmlformats.org/officeDocument/2006/relationships" xmlns:p="http://schemas.openxmlformats.org/presentationml/2006/main">
+  <p:cSld>
+    <p:spTree>
+      <p:nvGrpSpPr>
+        <p:cNvPr id="1" name=""/>
+        <p:cNvGrpSpPr/>
+        <p:nvPr/>
+      </p:nvGrpSpPr>
+      <p:grpSpPr>
+        <a:xfrm>
+          <a:off x="0" y="0"/>
+          <a:ext cx="0" cy="0"/>
+          <a:chOff x="0" y="0"/>
+          <a:chExt cx="0" cy="0"/>
+        </a:xfrm>
+      </p:grpSpPr>
+      <p:sp>
+        <p:nvSpPr>
+          <p:cNvPr id="2" name="Title 1"/>
+          <p:cNvSpPr>
+            <a:spLocks noGrp="1"/>
+          </p:cNvSpPr>
+          <p:nvPr>
+            <p:ph type="title"/>
+          </p:nvPr>
+        </p:nvSpPr>
+        <p:spPr>
+          <a:xfrm>
+            <a:off x="533399" y="326136"/>
+            <a:ext cx="6554867" cy="1524000"/>
+          </a:xfrm>
+        </p:spPr>
+        <p:txBody>
+          <a:bodyPr/>
+          <a:lstStyle/>
+          <a:p>
+            <a:pPr algn="ctr"/>
+            <a:r>
+              <a:rPr lang="en-US" dirty="0" smtClean="0"/>
+              <a:t>Player vs ai diagram</a:t>
+            </a:r>
+            <a:endParaRPr lang="en-US" dirty="0"/>
+          </a:p>
+        </p:txBody>
+      </p:sp>
+      <p:sp>
+        <p:nvSpPr>
+          <p:cNvPr id="3" name="Content Placeholder 2"/>
+          <p:cNvSpPr>
+            <a:spLocks noGrp="1"/>
+          </p:cNvSpPr>
+          <p:nvPr>
+            <p:ph idx="1"/>
+          </p:nvPr>
+        </p:nvSpPr>
+        <p:spPr>
+          <a:xfrm>
+            <a:off x="533399" y="2407920"/>
+            <a:ext cx="6554867" cy="3767670"/>
+          </a:xfrm>
+        </p:spPr>
+        <p:txBody>
+          <a:bodyPr/>
+          <a:lstStyle/>
+          <a:p>
+            <a:endParaRPr lang="en-US" dirty="0"/>
+          </a:p>
+        </p:txBody>
+      </p:sp>
+    </p:spTree>
+    <p:extLst>
+      <p:ext uri="{BB962C8B-B14F-4D97-AF65-F5344CB8AC3E}">
+        <p14:creationId xmlns:p14="http://schemas.microsoft.com/office/powerpoint/2010/main" val="4119060452"/>
+      </p:ext>
+    </p:extLst>
+  </p:cSld>
+  <p:clrMapOvr>
+    <a:masterClrMapping/>
+  </p:clrMapOvr>
+</p:sld>
+</file>
+
+<file path=ppt/slides/slide18.xml><?xml version="1.0" encoding="utf-8"?>
+<p:sld xmlns:a="http://schemas.openxmlformats.org/drawingml/2006/main" xmlns:r="http://schemas.openxmlformats.org/officeDocument/2006/relationships" xmlns:p="http://schemas.openxmlformats.org/presentationml/2006/main">
+  <p:cSld>
+    <p:spTree>
+      <p:nvGrpSpPr>
+        <p:cNvPr id="1" name=""/>
+        <p:cNvGrpSpPr/>
+        <p:nvPr/>
+      </p:nvGrpSpPr>
+      <p:grpSpPr>
+        <a:xfrm>
+          <a:off x="0" y="0"/>
+          <a:ext cx="0" cy="0"/>
+          <a:chOff x="0" y="0"/>
+          <a:chExt cx="0" cy="0"/>
+        </a:xfrm>
+      </p:grpSpPr>
+      <p:sp>
+        <p:nvSpPr>
+          <p:cNvPr id="2" name="Title 1"/>
+          <p:cNvSpPr>
+            <a:spLocks noGrp="1"/>
+          </p:cNvSpPr>
+          <p:nvPr>
+            <p:ph type="title"/>
+          </p:nvPr>
+        </p:nvSpPr>
+        <p:spPr>
+          <a:xfrm>
+            <a:off x="533400" y="307848"/>
+            <a:ext cx="6554867" cy="1524000"/>
+          </a:xfrm>
+        </p:spPr>
+        <p:txBody>
+          <a:bodyPr/>
+          <a:lstStyle/>
+          <a:p>
+            <a:pPr algn="ctr"/>
+            <a:r>
+              <a:rPr lang="en-US" dirty="0" smtClean="0"/>
+              <a:t>Nonfunctional requirements</a:t>
+            </a:r>
+            <a:endParaRPr lang="en-US" dirty="0"/>
+          </a:p>
+        </p:txBody>
+      </p:sp>
+      <p:sp>
+        <p:nvSpPr>
+          <p:cNvPr id="3" name="Content Placeholder 2"/>
+          <p:cNvSpPr>
+            <a:spLocks noGrp="1"/>
+          </p:cNvSpPr>
+          <p:nvPr>
+            <p:ph idx="1"/>
+          </p:nvPr>
+        </p:nvSpPr>
+        <p:spPr>
+          <a:xfrm>
+            <a:off x="533400" y="2307336"/>
+            <a:ext cx="6554867" cy="3767670"/>
+          </a:xfrm>
+        </p:spPr>
+        <p:txBody>
+          <a:bodyPr/>
+          <a:lstStyle/>
+          <a:p>
+            <a:pPr>
+              <a:buFont typeface="Arial" panose="020B0604020202020204" pitchFamily="34" charset="0"/>
+              <a:buChar char="•"/>
+            </a:pPr>
+            <a:r>
+              <a:rPr lang="en-US" dirty="0" smtClean="0">
+                <a:solidFill>
+                  <a:schemeClr val="tx1"/>
+                </a:solidFill>
+              </a:rPr>
+              <a:t>For the none functional requirement, we decided to give you the schedule dates, roles of each team members, and also the cost management.</a:t>
+            </a:r>
+            <a:endParaRPr lang="en-US" dirty="0">
+              <a:solidFill>
+                <a:schemeClr val="tx1"/>
+              </a:solidFill>
+            </a:endParaRPr>
+          </a:p>
+        </p:txBody>
+      </p:sp>
+    </p:spTree>
+    <p:extLst>
+      <p:ext uri="{BB962C8B-B14F-4D97-AF65-F5344CB8AC3E}">
+        <p14:creationId xmlns:p14="http://schemas.microsoft.com/office/powerpoint/2010/main" val="334875891"/>
+      </p:ext>
+    </p:extLst>
+  </p:cSld>
+  <p:clrMapOvr>
+    <a:masterClrMapping/>
+  </p:clrMapOvr>
+  <p:timing>
+    <p:tnLst>
+      <p:par>
+        <p:cTn id="1" dur="indefinite" restart="never" nodeType="tmRoot"/>
+      </p:par>
+    </p:tnLst>
+  </p:timing>
+</p:sld>
+</file>
+
+<file path=ppt/slides/slide19.xml><?xml version="1.0" encoding="utf-8"?>
+<p:sld xmlns:a="http://schemas.openxmlformats.org/drawingml/2006/main" xmlns:r="http://schemas.openxmlformats.org/officeDocument/2006/relationships" xmlns:p="http://schemas.openxmlformats.org/presentationml/2006/main">
+  <p:cSld>
+    <p:spTree>
+      <p:nvGrpSpPr>
+        <p:cNvPr id="1" name=""/>
+        <p:cNvGrpSpPr/>
+        <p:nvPr/>
+      </p:nvGrpSpPr>
+      <p:grpSpPr>
+        <a:xfrm>
+          <a:off x="0" y="0"/>
+          <a:ext cx="0" cy="0"/>
+          <a:chOff x="0" y="0"/>
+          <a:chExt cx="0" cy="0"/>
+        </a:xfrm>
+      </p:grpSpPr>
+      <p:sp>
+        <p:nvSpPr>
+          <p:cNvPr id="2" name="Title 1"/>
+          <p:cNvSpPr>
+            <a:spLocks noGrp="1"/>
+          </p:cNvSpPr>
+          <p:nvPr>
+            <p:ph type="title"/>
+          </p:nvPr>
+        </p:nvSpPr>
+        <p:spPr>
+          <a:xfrm>
+            <a:off x="533400" y="307848"/>
+            <a:ext cx="6554867" cy="1524000"/>
+          </a:xfrm>
+        </p:spPr>
+        <p:txBody>
+          <a:bodyPr/>
+          <a:lstStyle/>
+          <a:p>
+            <a:pPr algn="ctr"/>
+            <a:r>
+              <a:rPr lang="en-US" dirty="0" smtClean="0"/>
+              <a:t>Job of each member</a:t>
+            </a:r>
+            <a:endParaRPr lang="en-US" dirty="0"/>
+          </a:p>
+        </p:txBody>
+      </p:sp>
+      <p:sp>
+        <p:nvSpPr>
+          <p:cNvPr id="3" name="Content Placeholder 2"/>
+          <p:cNvSpPr>
+            <a:spLocks noGrp="1"/>
+          </p:cNvSpPr>
+          <p:nvPr>
+            <p:ph idx="1"/>
+          </p:nvPr>
+        </p:nvSpPr>
+        <p:spPr>
+          <a:xfrm>
+            <a:off x="533400" y="2307336"/>
+            <a:ext cx="6554867" cy="3767670"/>
+          </a:xfrm>
+        </p:spPr>
+        <p:txBody>
+          <a:bodyPr/>
+          <a:lstStyle/>
+          <a:p>
+            <a:pPr>
+              <a:buFont typeface="Arial" panose="020B0604020202020204" pitchFamily="34" charset="0"/>
+              <a:buChar char="•"/>
+            </a:pPr>
+            <a:r>
+              <a:rPr lang="en-US" dirty="0" smtClean="0">
+                <a:solidFill>
+                  <a:schemeClr val="tx1"/>
+                </a:solidFill>
+              </a:rPr>
+              <a:t>Our team consist of 6 members:</a:t>
+            </a:r>
+          </a:p>
+          <a:p>
+            <a:pPr lvl="1">
+              <a:buFont typeface="Arial" panose="020B0604020202020204" pitchFamily="34" charset="0"/>
+              <a:buChar char="•"/>
+            </a:pPr>
+            <a:r>
+              <a:rPr lang="en-US" dirty="0" smtClean="0">
+                <a:solidFill>
+                  <a:schemeClr val="tx1"/>
+                </a:solidFill>
+              </a:rPr>
+              <a:t>Ibra: team lead and architecture of the GUI interface</a:t>
+            </a:r>
+          </a:p>
+          <a:p>
+            <a:pPr lvl="1">
+              <a:buFont typeface="Arial" panose="020B0604020202020204" pitchFamily="34" charset="0"/>
+              <a:buChar char="•"/>
+            </a:pPr>
+            <a:r>
+              <a:rPr lang="en-US" dirty="0" smtClean="0">
+                <a:solidFill>
+                  <a:schemeClr val="tx1"/>
+                </a:solidFill>
+              </a:rPr>
+              <a:t>Eddie Aguilar: sub team lead and architecture of the single player mode (PvsP).</a:t>
+            </a:r>
+          </a:p>
+          <a:p>
+            <a:pPr lvl="1">
+              <a:buFont typeface="Arial" panose="020B0604020202020204" pitchFamily="34" charset="0"/>
+              <a:buChar char="•"/>
+            </a:pPr>
+            <a:r>
+              <a:rPr lang="en-US" dirty="0" smtClean="0">
+                <a:solidFill>
+                  <a:schemeClr val="tx1"/>
+                </a:solidFill>
+              </a:rPr>
+              <a:t>Alfonso Euclides: tester</a:t>
+            </a:r>
+          </a:p>
+          <a:p>
+            <a:pPr lvl="1">
+              <a:buFont typeface="Arial" panose="020B0604020202020204" pitchFamily="34" charset="0"/>
+              <a:buChar char="•"/>
+            </a:pPr>
+            <a:r>
+              <a:rPr lang="en-US" dirty="0" smtClean="0">
+                <a:solidFill>
+                  <a:schemeClr val="tx1"/>
+                </a:solidFill>
+              </a:rPr>
+              <a:t>Carrie Dummit: secretary and tester</a:t>
+            </a:r>
+          </a:p>
+          <a:p>
+            <a:pPr lvl="1">
+              <a:buFont typeface="Arial" panose="020B0604020202020204" pitchFamily="34" charset="0"/>
+              <a:buChar char="•"/>
+            </a:pPr>
+            <a:r>
+              <a:rPr lang="en-US" dirty="0" smtClean="0">
+                <a:solidFill>
+                  <a:schemeClr val="tx1"/>
+                </a:solidFill>
+              </a:rPr>
+              <a:t>Jason Jensen: Developer and architecture of the AI</a:t>
+            </a:r>
+          </a:p>
+          <a:p>
+            <a:pPr lvl="1">
+              <a:buFont typeface="Arial" panose="020B0604020202020204" pitchFamily="34" charset="0"/>
+              <a:buChar char="•"/>
+            </a:pPr>
+            <a:r>
+              <a:rPr lang="en-US" dirty="0" smtClean="0">
+                <a:solidFill>
+                  <a:schemeClr val="tx1"/>
+                </a:solidFill>
+              </a:rPr>
+              <a:t>Alexis Franciosi: secretary</a:t>
+            </a:r>
+            <a:endParaRPr lang="en-US" dirty="0">
+              <a:solidFill>
+                <a:schemeClr val="tx1"/>
+              </a:solidFill>
+            </a:endParaRPr>
+          </a:p>
+        </p:txBody>
+      </p:sp>
+    </p:spTree>
+    <p:extLst>
+      <p:ext uri="{BB962C8B-B14F-4D97-AF65-F5344CB8AC3E}">
+        <p14:creationId xmlns:p14="http://schemas.microsoft.com/office/powerpoint/2010/main" val="462548481"/>
+      </p:ext>
+    </p:extLst>
+  </p:cSld>
+  <p:clrMapOvr>
+    <a:masterClrMapping/>
+  </p:clrMapOvr>
+  <p:timing>
+    <p:tnLst>
+      <p:par>
+        <p:cTn id="1" dur="indefinite" restart="never" nodeType="tmRoot"/>
+      </p:par>
+    </p:tnLst>
+  </p:timing>
+</p:sld>
+</file>
+
+<file path=ppt/slides/slide2.xml><?xml version="1.0" encoding="utf-8"?>
+<p:sld xmlns:a="http://schemas.openxmlformats.org/drawingml/2006/main" xmlns:r="http://schemas.openxmlformats.org/officeDocument/2006/relationships" xmlns:p="http://schemas.openxmlformats.org/presentationml/2006/main">
+  <p:cSld>
+    <p:spTree>
+      <p:nvGrpSpPr>
+        <p:cNvPr id="1" name=""/>
+        <p:cNvGrpSpPr/>
+        <p:nvPr/>
+      </p:nvGrpSpPr>
+      <p:grpSpPr>
+        <a:xfrm>
+          <a:off x="0" y="0"/>
+          <a:ext cx="0" cy="0"/>
+          <a:chOff x="0" y="0"/>
+          <a:chExt cx="0" cy="0"/>
+        </a:xfrm>
+      </p:grpSpPr>
+      <p:sp>
+        <p:nvSpPr>
+          <p:cNvPr id="85" name="TextShape 1"/>
           <p:cNvSpPr txBox="1"/>
           <p:nvPr/>
         </p:nvSpPr>
@@ -7437,7 +8423,7 @@
               </a:lnSpc>
             </a:pPr>
             <a:r>
-              <a:rPr lang="en-US" sz="4800" strike="noStrike" spc="-1">
+              <a:rPr lang="en-US" sz="4800" b="1" strike="noStrike" spc="-1">
                 <a:solidFill>
                   <a:srgbClr val="FFFFFF"/>
                 </a:solidFill>
@@ -7448,7 +8434,7 @@
                 </a:uFill>
                 <a:latin typeface="Calisto MT"/>
               </a:rPr>
-              <a:t>Game flow diagram</a:t>
+              <a:t>Introduction</a:t>
             </a:r>
             <a:endParaRPr lang="en-US" sz="1800" strike="noStrike" spc="-1">
               <a:solidFill>
@@ -7464,29 +8450,93 @@
           </a:p>
         </p:txBody>
       </p:sp>
-      <p:pic>
-        <p:nvPicPr>
-          <p:cNvPr id="100" name="Content Placeholder 3"/>
-          <p:cNvPicPr/>
+      <p:sp>
+        <p:nvSpPr>
+          <p:cNvPr id="86" name="TextShape 2"/>
+          <p:cNvSpPr txBox="1"/>
           <p:nvPr/>
-        </p:nvPicPr>
-        <p:blipFill>
-          <a:blip r:embed="rId2"/>
-          <a:stretch/>
-        </p:blipFill>
+        </p:nvSpPr>
         <p:spPr>
           <a:xfrm>
-            <a:off x="1654920" y="1389960"/>
-            <a:ext cx="5421960" cy="5065560"/>
+            <a:off x="685800" y="1869120"/>
+            <a:ext cx="7770600" cy="4256640"/>
           </a:xfrm>
           <a:prstGeom prst="rect">
             <a:avLst/>
           </a:prstGeom>
+          <a:noFill/>
           <a:ln>
             <a:noFill/>
           </a:ln>
         </p:spPr>
-      </p:pic>
+        <p:txBody>
+          <a:bodyPr/>
+          <a:lstStyle/>
+          <a:p>
+            <a:pPr>
+              <a:lnSpc>
+                <a:spcPct val="100000"/>
+              </a:lnSpc>
+            </a:pPr>
+            <a:r>
+              <a:rPr lang="en-US" sz="2200" strike="noStrike" spc="-1" dirty="0">
+                <a:solidFill>
+                  <a:srgbClr val="FFFFFF"/>
+                </a:solidFill>
+                <a:uFill>
+                  <a:solidFill>
+                    <a:srgbClr val="FFFFFF"/>
+                  </a:solidFill>
+                </a:uFill>
+                <a:latin typeface="Calisto MT"/>
+              </a:rPr>
+              <a:t> Tic Tac Toe is a game that is played with two players, X and O, who take turns marking spaces usually in a 3X3 grid.</a:t>
+            </a:r>
+          </a:p>
+          <a:p>
+            <a:pPr>
+              <a:lnSpc>
+                <a:spcPct val="100000"/>
+              </a:lnSpc>
+            </a:pPr>
+            <a:r>
+              <a:rPr lang="en-US" sz="2200" strike="noStrike" spc="-1" dirty="0">
+                <a:solidFill>
+                  <a:srgbClr val="FFFFFF"/>
+                </a:solidFill>
+                <a:uFill>
+                  <a:solidFill>
+                    <a:srgbClr val="FFFFFF"/>
+                  </a:solidFill>
+                </a:uFill>
+                <a:latin typeface="Calisto MT"/>
+              </a:rPr>
+              <a:t>For this project the game will be change from its most common size 3x3 to a 6x6 with 4 squares require to win rather than 3.</a:t>
+            </a:r>
+          </a:p>
+          <a:p>
+            <a:pPr>
+              <a:lnSpc>
+                <a:spcPct val="100000"/>
+              </a:lnSpc>
+            </a:pPr>
+            <a:r>
+              <a:rPr lang="en-US" sz="2200" strike="noStrike" spc="-1" dirty="0">
+                <a:solidFill>
+                  <a:srgbClr val="FFFFFF"/>
+                </a:solidFill>
+                <a:uFill>
+                  <a:solidFill>
+                    <a:srgbClr val="FFFFFF"/>
+                  </a:solidFill>
+                </a:uFill>
+                <a:latin typeface="Calisto MT"/>
+              </a:rPr>
+              <a:t> In conclusion it will be 6X6X4 version of the classic Tic Tac Toe game.</a:t>
+            </a:r>
+          </a:p>
+        </p:txBody>
+      </p:sp>
     </p:spTree>
   </p:cSld>
   <p:clrMapOvr>
@@ -7522,7 +8572,7 @@
 </p:sld>
 </file>
 
-<file path=ppt/slides/slide2.xml><?xml version="1.0" encoding="utf-8"?>
+<file path=ppt/slides/slide20.xml><?xml version="1.0" encoding="utf-8"?>
 <p:sld xmlns:a="http://schemas.openxmlformats.org/drawingml/2006/main" xmlns:r="http://schemas.openxmlformats.org/officeDocument/2006/relationships" xmlns:p="http://schemas.openxmlformats.org/presentationml/2006/main">
   <p:cSld>
     <p:spTree>
@@ -7541,148 +8591,102 @@
       </p:grpSpPr>
       <p:sp>
         <p:nvSpPr>
-          <p:cNvPr id="85" name="TextShape 1"/>
-          <p:cNvSpPr txBox="1"/>
-          <p:nvPr/>
+          <p:cNvPr id="2" name="Title 1"/>
+          <p:cNvSpPr>
+            <a:spLocks noGrp="1"/>
+          </p:cNvSpPr>
+          <p:nvPr>
+            <p:ph type="title"/>
+          </p:nvPr>
         </p:nvSpPr>
         <p:spPr>
           <a:xfrm>
-            <a:off x="685800" y="120960"/>
-            <a:ext cx="7770600" cy="1429560"/>
+            <a:off x="533400" y="307848"/>
+            <a:ext cx="6554867" cy="1524000"/>
           </a:xfrm>
-          <a:prstGeom prst="rect">
-            <a:avLst/>
-          </a:prstGeom>
-          <a:noFill/>
-          <a:ln>
-            <a:noFill/>
-          </a:ln>
         </p:spPr>
         <p:txBody>
-          <a:bodyPr anchor="ctr"/>
-          <a:lstStyle/>
-          <a:p>
-            <a:pPr algn="ctr">
-              <a:lnSpc>
-                <a:spcPct val="100000"/>
-              </a:lnSpc>
-            </a:pPr>
-            <a:r>
-              <a:rPr lang="en-US" sz="4800" b="1" strike="noStrike" spc="-1">
-                <a:solidFill>
-                  <a:srgbClr val="FFFFFF"/>
-                </a:solidFill>
-                <a:uFill>
-                  <a:solidFill>
-                    <a:srgbClr val="FFFFFF"/>
-                  </a:solidFill>
-                </a:uFill>
-                <a:latin typeface="Calisto MT"/>
-              </a:rPr>
-              <a:t>Introduction</a:t>
-            </a:r>
-            <a:endParaRPr lang="en-US" sz="1800" strike="noStrike" spc="-1">
-              <a:solidFill>
-                <a:srgbClr val="FFFFFF"/>
-              </a:solidFill>
-              <a:uFill>
-                <a:solidFill>
-                  <a:srgbClr val="FFFFFF"/>
-                </a:solidFill>
-              </a:uFill>
-              <a:latin typeface="Calisto MT"/>
-            </a:endParaRPr>
-          </a:p>
-        </p:txBody>
-      </p:sp>
-      <p:sp>
-        <p:nvSpPr>
-          <p:cNvPr id="86" name="TextShape 2"/>
-          <p:cNvSpPr txBox="1"/>
-          <p:nvPr/>
+          <a:bodyPr/>
+          <a:lstStyle/>
+          <a:p>
+            <a:pPr algn="ctr"/>
+            <a:r>
+              <a:rPr lang="en-US" dirty="0" smtClean="0"/>
+              <a:t>Project approach</a:t>
+            </a:r>
+            <a:endParaRPr lang="en-US" dirty="0"/>
+          </a:p>
+        </p:txBody>
+      </p:sp>
+      <p:sp>
+        <p:nvSpPr>
+          <p:cNvPr id="3" name="Content Placeholder 2"/>
+          <p:cNvSpPr>
+            <a:spLocks noGrp="1"/>
+          </p:cNvSpPr>
+          <p:nvPr>
+            <p:ph idx="1"/>
+          </p:nvPr>
         </p:nvSpPr>
         <p:spPr>
           <a:xfrm>
-            <a:off x="685800" y="1869120"/>
-            <a:ext cx="7770600" cy="4256640"/>
+            <a:off x="533400" y="2307336"/>
+            <a:ext cx="6554867" cy="3767670"/>
           </a:xfrm>
-          <a:prstGeom prst="rect">
-            <a:avLst/>
-          </a:prstGeom>
-          <a:noFill/>
-          <a:ln>
-            <a:noFill/>
-          </a:ln>
         </p:spPr>
         <p:txBody>
           <a:bodyPr/>
           <a:lstStyle/>
           <a:p>
             <a:pPr>
-              <a:lnSpc>
-                <a:spcPct val="100000"/>
-              </a:lnSpc>
-            </a:pPr>
-            <a:r>
-              <a:rPr lang="en-US" sz="2200" strike="noStrike" spc="-1" dirty="0">
-                <a:solidFill>
-                  <a:srgbClr val="FFFFFF"/>
-                </a:solidFill>
-                <a:uFill>
-                  <a:solidFill>
-                    <a:srgbClr val="FFFFFF"/>
-                  </a:solidFill>
-                </a:uFill>
-                <a:latin typeface="Calisto MT"/>
-              </a:rPr>
-              <a:t> Tic Tac Toe is a game that is played with two players, X and O, who take turns marking spaces usually in a 3X3 grid.</a:t>
+              <a:buFont typeface="Arial" panose="020B0604020202020204" pitchFamily="34" charset="0"/>
+              <a:buChar char="•"/>
+            </a:pPr>
+            <a:r>
+              <a:rPr lang="en-US" dirty="0" smtClean="0">
+                <a:solidFill>
+                  <a:schemeClr val="tx1"/>
+                </a:solidFill>
+              </a:rPr>
+              <a:t>For this project, we decided to use Microsoft C# which is one of many tools we can use to complete this project</a:t>
             </a:r>
           </a:p>
           <a:p>
             <a:pPr>
-              <a:lnSpc>
-                <a:spcPct val="100000"/>
-              </a:lnSpc>
-            </a:pPr>
-            <a:r>
-              <a:rPr lang="en-US" sz="2200" strike="noStrike" spc="-1" dirty="0">
-                <a:solidFill>
-                  <a:srgbClr val="FFFFFF"/>
-                </a:solidFill>
-                <a:uFill>
-                  <a:solidFill>
-                    <a:srgbClr val="FFFFFF"/>
-                  </a:solidFill>
-                </a:uFill>
-                <a:latin typeface="Calisto MT"/>
-              </a:rPr>
-              <a:t>For this project the game will be change from its most common size 3x3 to a 6x6 with 4 squares require to win rather than 3.</a:t>
+              <a:buFont typeface="Arial" panose="020B0604020202020204" pitchFamily="34" charset="0"/>
+              <a:buChar char="•"/>
+            </a:pPr>
+            <a:r>
+              <a:rPr lang="en-US" dirty="0" smtClean="0">
+                <a:solidFill>
+                  <a:schemeClr val="tx1"/>
+                </a:solidFill>
+              </a:rPr>
+              <a:t>Using MySQL for database in order to keep players history and can be viewed if requested</a:t>
             </a:r>
           </a:p>
           <a:p>
             <a:pPr>
-              <a:lnSpc>
-                <a:spcPct val="100000"/>
-              </a:lnSpc>
-            </a:pPr>
-            <a:r>
-              <a:rPr lang="en-US" sz="2200" strike="noStrike" spc="-1" dirty="0">
-                <a:solidFill>
-                  <a:srgbClr val="FFFFFF"/>
-                </a:solidFill>
-                <a:uFill>
-                  <a:solidFill>
-                    <a:srgbClr val="FFFFFF"/>
-                  </a:solidFill>
-                </a:uFill>
-                <a:latin typeface="Calisto MT"/>
-              </a:rPr>
-              <a:t> In conclusion it will be 6X6X4 version of the classic Tic Tac Toe game.</a:t>
+              <a:buFont typeface="Arial" panose="020B0604020202020204" pitchFamily="34" charset="0"/>
+              <a:buChar char="•"/>
+            </a:pPr>
+            <a:r>
+              <a:rPr lang="en-US" dirty="0" smtClean="0">
+                <a:solidFill>
+                  <a:schemeClr val="tx1"/>
+                </a:solidFill>
+              </a:rPr>
+              <a:t>For source control, we are using GitHub and Dropbox to keep track of all of our files.</a:t>
             </a:r>
           </a:p>
         </p:txBody>
       </p:sp>
     </p:spTree>
+    <p:extLst>
+      <p:ext uri="{BB962C8B-B14F-4D97-AF65-F5344CB8AC3E}">
+        <p14:creationId xmlns:p14="http://schemas.microsoft.com/office/powerpoint/2010/main" val="1272319813"/>
+      </p:ext>
+    </p:extLst>
   </p:cSld>
   <p:clrMapOvr>
     <a:masterClrMapping/>
@@ -7690,27 +8694,566 @@
   <p:timing>
     <p:tnLst>
       <p:par>
-        <p:cTn id="1" dur="indefinite" restart="never" nodeType="tmRoot">
-          <p:childTnLst>
-            <p:seq>
-              <p:cTn id="2" nodeType="mainSeq"/>
-              <p:prevCondLst>
-                <p:cond evt="onPrev" delay="0">
-                  <p:tgtEl>
-                    <p:sldTgt/>
-                  </p:tgtEl>
-                </p:cond>
-              </p:prevCondLst>
-              <p:nextCondLst>
-                <p:cond evt="onNext" delay="0">
-                  <p:tgtEl>
-                    <p:sldTgt/>
-                  </p:tgtEl>
-                </p:cond>
-              </p:nextCondLst>
-            </p:seq>
-          </p:childTnLst>
-        </p:cTn>
+        <p:cTn id="1" dur="indefinite" restart="never" nodeType="tmRoot"/>
+      </p:par>
+    </p:tnLst>
+  </p:timing>
+</p:sld>
+</file>
+
+<file path=ppt/slides/slide21.xml><?xml version="1.0" encoding="utf-8"?>
+<p:sld xmlns:a="http://schemas.openxmlformats.org/drawingml/2006/main" xmlns:r="http://schemas.openxmlformats.org/officeDocument/2006/relationships" xmlns:p="http://schemas.openxmlformats.org/presentationml/2006/main">
+  <p:cSld>
+    <p:spTree>
+      <p:nvGrpSpPr>
+        <p:cNvPr id="1" name=""/>
+        <p:cNvGrpSpPr/>
+        <p:nvPr/>
+      </p:nvGrpSpPr>
+      <p:grpSpPr>
+        <a:xfrm>
+          <a:off x="0" y="0"/>
+          <a:ext cx="0" cy="0"/>
+          <a:chOff x="0" y="0"/>
+          <a:chExt cx="0" cy="0"/>
+        </a:xfrm>
+      </p:grpSpPr>
+      <p:sp>
+        <p:nvSpPr>
+          <p:cNvPr id="2" name="Title 1"/>
+          <p:cNvSpPr>
+            <a:spLocks noGrp="1"/>
+          </p:cNvSpPr>
+          <p:nvPr>
+            <p:ph type="title"/>
+          </p:nvPr>
+        </p:nvSpPr>
+        <p:spPr>
+          <a:xfrm>
+            <a:off x="533400" y="307848"/>
+            <a:ext cx="6554867" cy="1524000"/>
+          </a:xfrm>
+        </p:spPr>
+        <p:txBody>
+          <a:bodyPr/>
+          <a:lstStyle/>
+          <a:p>
+            <a:pPr algn="ctr"/>
+            <a:r>
+              <a:rPr lang="en-US" dirty="0" smtClean="0"/>
+              <a:t>reliability</a:t>
+            </a:r>
+            <a:endParaRPr lang="en-US" dirty="0"/>
+          </a:p>
+        </p:txBody>
+      </p:sp>
+      <p:sp>
+        <p:nvSpPr>
+          <p:cNvPr id="3" name="Content Placeholder 2"/>
+          <p:cNvSpPr>
+            <a:spLocks noGrp="1"/>
+          </p:cNvSpPr>
+          <p:nvPr>
+            <p:ph idx="1"/>
+          </p:nvPr>
+        </p:nvSpPr>
+        <p:spPr>
+          <a:xfrm>
+            <a:off x="890016" y="1941576"/>
+            <a:ext cx="6554867" cy="3767670"/>
+          </a:xfrm>
+        </p:spPr>
+        <p:txBody>
+          <a:bodyPr>
+            <a:normAutofit lnSpcReduction="10000"/>
+          </a:bodyPr>
+          <a:lstStyle/>
+          <a:p>
+            <a:pPr>
+              <a:buFont typeface="Arial" panose="020B0604020202020204" pitchFamily="34" charset="0"/>
+              <a:buChar char="•"/>
+            </a:pPr>
+            <a:r>
+              <a:rPr lang="en-US" dirty="0" smtClean="0">
+                <a:solidFill>
+                  <a:schemeClr val="tx1"/>
+                </a:solidFill>
+              </a:rPr>
+              <a:t>We assure that our team is reliable and can deliver the project on time.</a:t>
+            </a:r>
+          </a:p>
+          <a:p>
+            <a:pPr>
+              <a:buFont typeface="Arial" panose="020B0604020202020204" pitchFamily="34" charset="0"/>
+              <a:buChar char="•"/>
+            </a:pPr>
+            <a:r>
+              <a:rPr lang="en-US" dirty="0" smtClean="0">
+                <a:solidFill>
+                  <a:schemeClr val="tx1"/>
+                </a:solidFill>
+              </a:rPr>
+              <a:t>This is proven by our expected dates and phases chosen to accomplishment milestones.</a:t>
+            </a:r>
+          </a:p>
+          <a:p>
+            <a:pPr>
+              <a:buFont typeface="Arial" panose="020B0604020202020204" pitchFamily="34" charset="0"/>
+              <a:buChar char="•"/>
+            </a:pPr>
+            <a:r>
+              <a:rPr lang="en-US" dirty="0" smtClean="0">
+                <a:solidFill>
+                  <a:schemeClr val="tx1"/>
+                </a:solidFill>
+              </a:rPr>
+              <a:t>There are a total of 16 weeks which we took as 4 weeks for doing requirement, analysis, and design.</a:t>
+            </a:r>
+          </a:p>
+          <a:p>
+            <a:pPr>
+              <a:buFont typeface="Arial" panose="020B0604020202020204" pitchFamily="34" charset="0"/>
+              <a:buChar char="•"/>
+            </a:pPr>
+            <a:r>
+              <a:rPr lang="en-US" dirty="0" smtClean="0">
+                <a:solidFill>
+                  <a:schemeClr val="tx1"/>
+                </a:solidFill>
+              </a:rPr>
+              <a:t>Week 5, we will do implementation and test on each sub-stone.</a:t>
+            </a:r>
+          </a:p>
+          <a:p>
+            <a:pPr>
+              <a:buFont typeface="Arial" panose="020B0604020202020204" pitchFamily="34" charset="0"/>
+              <a:buChar char="•"/>
+            </a:pPr>
+            <a:r>
+              <a:rPr lang="en-US" dirty="0" smtClean="0">
+                <a:solidFill>
+                  <a:schemeClr val="tx1"/>
+                </a:solidFill>
+              </a:rPr>
+              <a:t>By week 12, we will have it nearly completed and use week 13-16 for debugging and finalizing.</a:t>
+            </a:r>
+          </a:p>
+        </p:txBody>
+      </p:sp>
+    </p:spTree>
+    <p:extLst>
+      <p:ext uri="{BB962C8B-B14F-4D97-AF65-F5344CB8AC3E}">
+        <p14:creationId xmlns:p14="http://schemas.microsoft.com/office/powerpoint/2010/main" val="2056684855"/>
+      </p:ext>
+    </p:extLst>
+  </p:cSld>
+  <p:clrMapOvr>
+    <a:masterClrMapping/>
+  </p:clrMapOvr>
+  <p:timing>
+    <p:tnLst>
+      <p:par>
+        <p:cTn id="1" dur="indefinite" restart="never" nodeType="tmRoot"/>
+      </p:par>
+    </p:tnLst>
+  </p:timing>
+</p:sld>
+</file>
+
+<file path=ppt/slides/slide22.xml><?xml version="1.0" encoding="utf-8"?>
+<p:sld xmlns:a="http://schemas.openxmlformats.org/drawingml/2006/main" xmlns:r="http://schemas.openxmlformats.org/officeDocument/2006/relationships" xmlns:p="http://schemas.openxmlformats.org/presentationml/2006/main">
+  <p:cSld>
+    <p:spTree>
+      <p:nvGrpSpPr>
+        <p:cNvPr id="1" name=""/>
+        <p:cNvGrpSpPr/>
+        <p:nvPr/>
+      </p:nvGrpSpPr>
+      <p:grpSpPr>
+        <a:xfrm>
+          <a:off x="0" y="0"/>
+          <a:ext cx="0" cy="0"/>
+          <a:chOff x="0" y="0"/>
+          <a:chExt cx="0" cy="0"/>
+        </a:xfrm>
+      </p:grpSpPr>
+      <p:sp>
+        <p:nvSpPr>
+          <p:cNvPr id="2" name="Title 1"/>
+          <p:cNvSpPr>
+            <a:spLocks noGrp="1"/>
+          </p:cNvSpPr>
+          <p:nvPr>
+            <p:ph type="title"/>
+          </p:nvPr>
+        </p:nvSpPr>
+        <p:spPr>
+          <a:xfrm>
+            <a:off x="533400" y="307848"/>
+            <a:ext cx="6554867" cy="1524000"/>
+          </a:xfrm>
+        </p:spPr>
+        <p:txBody>
+          <a:bodyPr/>
+          <a:lstStyle/>
+          <a:p>
+            <a:pPr algn="ctr"/>
+            <a:r>
+              <a:rPr lang="en-US" dirty="0" smtClean="0"/>
+              <a:t>Quality insurance</a:t>
+            </a:r>
+            <a:endParaRPr lang="en-US" dirty="0"/>
+          </a:p>
+        </p:txBody>
+      </p:sp>
+      <p:sp>
+        <p:nvSpPr>
+          <p:cNvPr id="3" name="Content Placeholder 2"/>
+          <p:cNvSpPr>
+            <a:spLocks noGrp="1"/>
+          </p:cNvSpPr>
+          <p:nvPr>
+            <p:ph idx="1"/>
+          </p:nvPr>
+        </p:nvSpPr>
+        <p:spPr>
+          <a:xfrm>
+            <a:off x="890016" y="1941576"/>
+            <a:ext cx="6554867" cy="3767670"/>
+          </a:xfrm>
+        </p:spPr>
+        <p:txBody>
+          <a:bodyPr>
+            <a:normAutofit/>
+          </a:bodyPr>
+          <a:lstStyle/>
+          <a:p>
+            <a:pPr>
+              <a:buFont typeface="Arial" panose="020B0604020202020204" pitchFamily="34" charset="0"/>
+              <a:buChar char="•"/>
+            </a:pPr>
+            <a:r>
+              <a:rPr lang="en-US" dirty="0" smtClean="0">
+                <a:solidFill>
+                  <a:schemeClr val="tx1"/>
+                </a:solidFill>
+              </a:rPr>
+              <a:t>Our quality of assurance is to deliver the product on time.</a:t>
+            </a:r>
+          </a:p>
+          <a:p>
+            <a:pPr>
+              <a:buFont typeface="Arial" panose="020B0604020202020204" pitchFamily="34" charset="0"/>
+              <a:buChar char="•"/>
+            </a:pPr>
+            <a:r>
+              <a:rPr lang="en-US" dirty="0" smtClean="0">
+                <a:solidFill>
+                  <a:schemeClr val="tx1"/>
+                </a:solidFill>
+              </a:rPr>
+              <a:t>In case it is not possible, we will release the beta version with minor bugs and publish an updated version after the deadline</a:t>
+            </a:r>
+          </a:p>
+          <a:p>
+            <a:pPr>
+              <a:buFont typeface="Arial" panose="020B0604020202020204" pitchFamily="34" charset="0"/>
+              <a:buChar char="•"/>
+            </a:pPr>
+            <a:r>
+              <a:rPr lang="en-US" dirty="0" smtClean="0">
+                <a:solidFill>
+                  <a:schemeClr val="tx1"/>
+                </a:solidFill>
+              </a:rPr>
+              <a:t>The risk for this is to have a low grade which we are not intending to do so</a:t>
+            </a:r>
+          </a:p>
+        </p:txBody>
+      </p:sp>
+    </p:spTree>
+    <p:extLst>
+      <p:ext uri="{BB962C8B-B14F-4D97-AF65-F5344CB8AC3E}">
+        <p14:creationId xmlns:p14="http://schemas.microsoft.com/office/powerpoint/2010/main" val="4155355824"/>
+      </p:ext>
+    </p:extLst>
+  </p:cSld>
+  <p:clrMapOvr>
+    <a:masterClrMapping/>
+  </p:clrMapOvr>
+  <p:timing>
+    <p:tnLst>
+      <p:par>
+        <p:cTn id="1" dur="indefinite" restart="never" nodeType="tmRoot"/>
+      </p:par>
+    </p:tnLst>
+  </p:timing>
+</p:sld>
+</file>
+
+<file path=ppt/slides/slide23.xml><?xml version="1.0" encoding="utf-8"?>
+<p:sld xmlns:a="http://schemas.openxmlformats.org/drawingml/2006/main" xmlns:r="http://schemas.openxmlformats.org/officeDocument/2006/relationships" xmlns:p="http://schemas.openxmlformats.org/presentationml/2006/main">
+  <p:cSld>
+    <p:spTree>
+      <p:nvGrpSpPr>
+        <p:cNvPr id="1" name=""/>
+        <p:cNvGrpSpPr/>
+        <p:nvPr/>
+      </p:nvGrpSpPr>
+      <p:grpSpPr>
+        <a:xfrm>
+          <a:off x="0" y="0"/>
+          <a:ext cx="0" cy="0"/>
+          <a:chOff x="0" y="0"/>
+          <a:chExt cx="0" cy="0"/>
+        </a:xfrm>
+      </p:grpSpPr>
+      <p:sp>
+        <p:nvSpPr>
+          <p:cNvPr id="2" name="Title 1"/>
+          <p:cNvSpPr>
+            <a:spLocks noGrp="1"/>
+          </p:cNvSpPr>
+          <p:nvPr>
+            <p:ph type="title"/>
+          </p:nvPr>
+        </p:nvSpPr>
+        <p:spPr>
+          <a:xfrm>
+            <a:off x="533400" y="307848"/>
+            <a:ext cx="6554867" cy="1524000"/>
+          </a:xfrm>
+        </p:spPr>
+        <p:txBody>
+          <a:bodyPr/>
+          <a:lstStyle/>
+          <a:p>
+            <a:pPr algn="ctr"/>
+            <a:r>
+              <a:rPr lang="en-US" dirty="0" smtClean="0"/>
+              <a:t>Quality insurance</a:t>
+            </a:r>
+            <a:endParaRPr lang="en-US" dirty="0"/>
+          </a:p>
+        </p:txBody>
+      </p:sp>
+      <p:sp>
+        <p:nvSpPr>
+          <p:cNvPr id="3" name="Content Placeholder 2"/>
+          <p:cNvSpPr>
+            <a:spLocks noGrp="1"/>
+          </p:cNvSpPr>
+          <p:nvPr>
+            <p:ph idx="1"/>
+          </p:nvPr>
+        </p:nvSpPr>
+        <p:spPr>
+          <a:xfrm>
+            <a:off x="890016" y="1941576"/>
+            <a:ext cx="6554867" cy="3767670"/>
+          </a:xfrm>
+        </p:spPr>
+        <p:txBody>
+          <a:bodyPr>
+            <a:normAutofit/>
+          </a:bodyPr>
+          <a:lstStyle/>
+          <a:p>
+            <a:pPr>
+              <a:buFont typeface="Arial" panose="020B0604020202020204" pitchFamily="34" charset="0"/>
+              <a:buChar char="•"/>
+            </a:pPr>
+            <a:r>
+              <a:rPr lang="en-US" dirty="0" smtClean="0">
+                <a:solidFill>
+                  <a:schemeClr val="tx1"/>
+                </a:solidFill>
+              </a:rPr>
+              <a:t>In case a team member is sick, dropped out of the group or any other reason:</a:t>
+            </a:r>
+          </a:p>
+          <a:p>
+            <a:pPr lvl="1">
+              <a:buFont typeface="Arial" panose="020B0604020202020204" pitchFamily="34" charset="0"/>
+              <a:buChar char="•"/>
+            </a:pPr>
+            <a:r>
+              <a:rPr lang="en-US" dirty="0" smtClean="0">
+                <a:solidFill>
+                  <a:schemeClr val="tx1"/>
+                </a:solidFill>
+              </a:rPr>
+              <a:t>We will divide the work through the group</a:t>
+            </a:r>
+          </a:p>
+          <a:p>
+            <a:pPr lvl="1">
+              <a:buFont typeface="Arial" panose="020B0604020202020204" pitchFamily="34" charset="0"/>
+              <a:buChar char="•"/>
+            </a:pPr>
+            <a:r>
+              <a:rPr lang="en-US" dirty="0" smtClean="0">
+                <a:solidFill>
+                  <a:schemeClr val="tx1"/>
+                </a:solidFill>
+              </a:rPr>
+              <a:t>Each person will have a little bit more responsibilities</a:t>
+            </a:r>
+          </a:p>
+          <a:p>
+            <a:pPr lvl="1">
+              <a:buFont typeface="Arial" panose="020B0604020202020204" pitchFamily="34" charset="0"/>
+              <a:buChar char="•"/>
+            </a:pPr>
+            <a:r>
+              <a:rPr lang="en-US" dirty="0" smtClean="0">
+                <a:solidFill>
+                  <a:schemeClr val="tx1"/>
+                </a:solidFill>
+              </a:rPr>
+              <a:t>And foremost, each person will be there to help in case they have finished a task earlier than normal</a:t>
+            </a:r>
+            <a:endParaRPr lang="en-US" dirty="0" smtClean="0">
+              <a:solidFill>
+                <a:schemeClr val="tx1"/>
+              </a:solidFill>
+            </a:endParaRPr>
+          </a:p>
+        </p:txBody>
+      </p:sp>
+    </p:spTree>
+    <p:extLst>
+      <p:ext uri="{BB962C8B-B14F-4D97-AF65-F5344CB8AC3E}">
+        <p14:creationId xmlns:p14="http://schemas.microsoft.com/office/powerpoint/2010/main" val="3501653396"/>
+      </p:ext>
+    </p:extLst>
+  </p:cSld>
+  <p:clrMapOvr>
+    <a:masterClrMapping/>
+  </p:clrMapOvr>
+  <p:timing>
+    <p:tnLst>
+      <p:par>
+        <p:cTn id="1" dur="indefinite" restart="never" nodeType="tmRoot"/>
+      </p:par>
+    </p:tnLst>
+  </p:timing>
+</p:sld>
+</file>
+
+<file path=ppt/slides/slide24.xml><?xml version="1.0" encoding="utf-8"?>
+<p:sld xmlns:a="http://schemas.openxmlformats.org/drawingml/2006/main" xmlns:r="http://schemas.openxmlformats.org/officeDocument/2006/relationships" xmlns:p="http://schemas.openxmlformats.org/presentationml/2006/main">
+  <p:cSld>
+    <p:spTree>
+      <p:nvGrpSpPr>
+        <p:cNvPr id="1" name=""/>
+        <p:cNvGrpSpPr/>
+        <p:nvPr/>
+      </p:nvGrpSpPr>
+      <p:grpSpPr>
+        <a:xfrm>
+          <a:off x="0" y="0"/>
+          <a:ext cx="0" cy="0"/>
+          <a:chOff x="0" y="0"/>
+          <a:chExt cx="0" cy="0"/>
+        </a:xfrm>
+      </p:grpSpPr>
+      <p:sp>
+        <p:nvSpPr>
+          <p:cNvPr id="2" name="Title 1"/>
+          <p:cNvSpPr>
+            <a:spLocks noGrp="1"/>
+          </p:cNvSpPr>
+          <p:nvPr>
+            <p:ph type="title"/>
+          </p:nvPr>
+        </p:nvSpPr>
+        <p:spPr>
+          <a:xfrm>
+            <a:off x="533400" y="307848"/>
+            <a:ext cx="6554867" cy="1524000"/>
+          </a:xfrm>
+        </p:spPr>
+        <p:txBody>
+          <a:bodyPr/>
+          <a:lstStyle/>
+          <a:p>
+            <a:pPr algn="ctr"/>
+            <a:r>
+              <a:rPr lang="en-US" dirty="0" smtClean="0"/>
+              <a:t>Financing the project</a:t>
+            </a:r>
+            <a:endParaRPr lang="en-US" dirty="0"/>
+          </a:p>
+        </p:txBody>
+      </p:sp>
+      <p:sp>
+        <p:nvSpPr>
+          <p:cNvPr id="3" name="Content Placeholder 2"/>
+          <p:cNvSpPr>
+            <a:spLocks noGrp="1"/>
+          </p:cNvSpPr>
+          <p:nvPr>
+            <p:ph idx="1"/>
+          </p:nvPr>
+        </p:nvSpPr>
+        <p:spPr>
+          <a:xfrm>
+            <a:off x="890016" y="1941576"/>
+            <a:ext cx="6554867" cy="3767670"/>
+          </a:xfrm>
+        </p:spPr>
+        <p:txBody>
+          <a:bodyPr>
+            <a:normAutofit/>
+          </a:bodyPr>
+          <a:lstStyle/>
+          <a:p>
+            <a:pPr>
+              <a:buFont typeface="Arial" panose="020B0604020202020204" pitchFamily="34" charset="0"/>
+              <a:buChar char="•"/>
+            </a:pPr>
+            <a:r>
+              <a:rPr lang="en-US" dirty="0" smtClean="0">
+                <a:solidFill>
+                  <a:schemeClr val="tx1"/>
+                </a:solidFill>
+              </a:rPr>
+              <a:t>For financing the project, it will not cost us nothing because it is a school/academic project.</a:t>
+            </a:r>
+            <a:endParaRPr lang="en-US" dirty="0">
+              <a:solidFill>
+                <a:schemeClr val="tx1"/>
+              </a:solidFill>
+            </a:endParaRPr>
+          </a:p>
+          <a:p>
+            <a:pPr>
+              <a:buFont typeface="Arial" panose="020B0604020202020204" pitchFamily="34" charset="0"/>
+              <a:buChar char="•"/>
+            </a:pPr>
+            <a:endParaRPr lang="en-US" dirty="0" smtClean="0">
+              <a:solidFill>
+                <a:schemeClr val="tx1"/>
+              </a:solidFill>
+            </a:endParaRPr>
+          </a:p>
+        </p:txBody>
+      </p:sp>
+    </p:spTree>
+    <p:extLst>
+      <p:ext uri="{BB962C8B-B14F-4D97-AF65-F5344CB8AC3E}">
+        <p14:creationId xmlns:p14="http://schemas.microsoft.com/office/powerpoint/2010/main" val="3493622036"/>
+      </p:ext>
+    </p:extLst>
+  </p:cSld>
+  <p:clrMapOvr>
+    <a:masterClrMapping/>
+  </p:clrMapOvr>
+  <p:timing>
+    <p:tnLst>
+      <p:par>
+        <p:cTn id="1" dur="indefinite" restart="never" nodeType="tmRoot"/>
       </p:par>
     </p:tnLst>
   </p:timing>
@@ -8164,8 +9707,21 @@
                   <a:schemeClr val="tx1"/>
                 </a:solidFill>
               </a:rPr>
-              <a:t>Single player or PvsP</a:t>
-            </a:r>
+              <a:t>Player vs Player (</a:t>
+            </a:r>
+            <a:r>
+              <a:rPr lang="en-US" dirty="0" smtClean="0">
+                <a:solidFill>
+                  <a:schemeClr val="tx1"/>
+                </a:solidFill>
+              </a:rPr>
+              <a:t>PvsP)</a:t>
+            </a:r>
+            <a:endParaRPr lang="en-US" dirty="0" smtClean="0">
+              <a:solidFill>
+                <a:schemeClr val="tx1"/>
+              </a:solidFill>
+            </a:endParaRPr>
           </a:p>
           <a:p>
             <a:pPr marL="742950" lvl="1" indent="-285750" algn="l">

--- a/Power Point Presentation-bk.pptx
+++ b/Power Point Presentation-bk.pptx
@@ -5,7 +5,7 @@
     <p:sldMasterId id="2147483704" r:id="rId1"/>
   </p:sldMasterIdLst>
   <p:notesMasterIdLst>
-    <p:notesMasterId r:id="rId26"/>
+    <p:notesMasterId r:id="rId27"/>
   </p:notesMasterIdLst>
   <p:sldIdLst>
     <p:sldId id="256" r:id="rId2"/>
@@ -32,6 +32,7 @@
     <p:sldId id="284" r:id="rId23"/>
     <p:sldId id="285" r:id="rId24"/>
     <p:sldId id="286" r:id="rId25"/>
+    <p:sldId id="287" r:id="rId26"/>
   </p:sldIdLst>
   <p:sldSz cx="9144000" cy="6858000" type="screen4x3"/>
   <p:notesSz cx="6858000" cy="9144000"/>
@@ -7720,23 +7721,7 @@
                   <a:schemeClr val="tx1"/>
                 </a:solidFill>
               </a:rPr>
-              <a:t>The </a:t>
-            </a:r>
-            <a:r>
-              <a:rPr lang="en-US" dirty="0" smtClean="0">
-                <a:solidFill>
-                  <a:schemeClr val="tx1"/>
-                </a:solidFill>
-              </a:rPr>
-              <a:t>player vs AI mode is going against th</a:t>
-            </a:r>
-            <a:r>
-              <a:rPr lang="en-US" dirty="0" smtClean="0">
-                <a:solidFill>
-                  <a:schemeClr val="tx1"/>
-                </a:solidFill>
-              </a:rPr>
-              <a:t>e artificial intelligence.</a:t>
+              <a:t>The player vs AI mode is going against the artificial intelligence.</a:t>
             </a:r>
           </a:p>
           <a:p>
@@ -9113,11 +9098,6 @@
               </a:rPr>
               <a:t>And foremost, each person will be there to help in case they have finished a task earlier than normal</a:t>
             </a:r>
-            <a:endParaRPr lang="en-US" dirty="0" smtClean="0">
-              <a:solidFill>
-                <a:schemeClr val="tx1"/>
-              </a:solidFill>
-            </a:endParaRPr>
           </a:p>
         </p:txBody>
       </p:sp>
@@ -9219,8 +9199,36 @@
                   <a:schemeClr val="tx1"/>
                 </a:solidFill>
               </a:rPr>
-              <a:t>For financing the project, it will not cost us nothing because it is a school/academic project.</a:t>
-            </a:r>
+              <a:t>For financing the project, it will not cost us nothing because it is a school/academic project</a:t>
+            </a:r>
+            <a:r>
+              <a:rPr lang="en-US" dirty="0" smtClean="0">
+                <a:solidFill>
+                  <a:schemeClr val="tx1"/>
+                </a:solidFill>
+              </a:rPr>
+              <a:t>.</a:t>
+            </a:r>
+          </a:p>
+          <a:p>
+            <a:pPr>
+              <a:buFont typeface="Arial" panose="020B0604020202020204" pitchFamily="34" charset="0"/>
+              <a:buChar char="•"/>
+            </a:pPr>
+            <a:r>
+              <a:rPr lang="en-US" dirty="0" smtClean="0">
+                <a:solidFill>
+                  <a:schemeClr val="tx1"/>
+                </a:solidFill>
+              </a:rPr>
+              <a:t>Not any of our developers will be paid therefore, enjoy the free game </a:t>
+            </a:r>
+          </a:p>
+          <a:p>
+            <a:pPr>
+              <a:buFont typeface="Arial" panose="020B0604020202020204" pitchFamily="34" charset="0"/>
+              <a:buChar char="•"/>
+            </a:pPr>
             <a:endParaRPr lang="en-US" dirty="0">
               <a:solidFill>
                 <a:schemeClr val="tx1"/>
@@ -9244,6 +9252,106 @@
     <p:extLst>
       <p:ext uri="{BB962C8B-B14F-4D97-AF65-F5344CB8AC3E}">
         <p14:creationId xmlns:p14="http://schemas.microsoft.com/office/powerpoint/2010/main" val="3493622036"/>
+      </p:ext>
+    </p:extLst>
+  </p:cSld>
+  <p:clrMapOvr>
+    <a:masterClrMapping/>
+  </p:clrMapOvr>
+  <p:timing>
+    <p:tnLst>
+      <p:par>
+        <p:cTn id="1" dur="indefinite" restart="never" nodeType="tmRoot"/>
+      </p:par>
+    </p:tnLst>
+  </p:timing>
+</p:sld>
+</file>
+
+<file path=ppt/slides/slide25.xml><?xml version="1.0" encoding="utf-8"?>
+<p:sld xmlns:a="http://schemas.openxmlformats.org/drawingml/2006/main" xmlns:r="http://schemas.openxmlformats.org/officeDocument/2006/relationships" xmlns:p="http://schemas.openxmlformats.org/presentationml/2006/main">
+  <p:cSld>
+    <p:spTree>
+      <p:nvGrpSpPr>
+        <p:cNvPr id="1" name=""/>
+        <p:cNvGrpSpPr/>
+        <p:nvPr/>
+      </p:nvGrpSpPr>
+      <p:grpSpPr>
+        <a:xfrm>
+          <a:off x="0" y="0"/>
+          <a:ext cx="0" cy="0"/>
+          <a:chOff x="0" y="0"/>
+          <a:chExt cx="0" cy="0"/>
+        </a:xfrm>
+      </p:grpSpPr>
+      <p:sp>
+        <p:nvSpPr>
+          <p:cNvPr id="2" name="Title 1"/>
+          <p:cNvSpPr>
+            <a:spLocks noGrp="1"/>
+          </p:cNvSpPr>
+          <p:nvPr>
+            <p:ph type="title"/>
+          </p:nvPr>
+        </p:nvSpPr>
+        <p:spPr>
+          <a:xfrm>
+            <a:off x="533400" y="307848"/>
+            <a:ext cx="6554867" cy="1524000"/>
+          </a:xfrm>
+        </p:spPr>
+        <p:txBody>
+          <a:bodyPr/>
+          <a:lstStyle/>
+          <a:p>
+            <a:pPr algn="ctr"/>
+            <a:r>
+              <a:rPr lang="en-US" dirty="0" smtClean="0"/>
+              <a:t>Class diagrams</a:t>
+            </a:r>
+            <a:endParaRPr lang="en-US" dirty="0"/>
+          </a:p>
+        </p:txBody>
+      </p:sp>
+      <p:sp>
+        <p:nvSpPr>
+          <p:cNvPr id="3" name="Content Placeholder 2"/>
+          <p:cNvSpPr>
+            <a:spLocks noGrp="1"/>
+          </p:cNvSpPr>
+          <p:nvPr>
+            <p:ph idx="1"/>
+          </p:nvPr>
+        </p:nvSpPr>
+        <p:spPr>
+          <a:xfrm>
+            <a:off x="890016" y="1941576"/>
+            <a:ext cx="6554867" cy="3767670"/>
+          </a:xfrm>
+        </p:spPr>
+        <p:txBody>
+          <a:bodyPr>
+            <a:normAutofit/>
+          </a:bodyPr>
+          <a:lstStyle/>
+          <a:p>
+            <a:pPr>
+              <a:buFont typeface="Arial" panose="020B0604020202020204" pitchFamily="34" charset="0"/>
+              <a:buChar char="•"/>
+            </a:pPr>
+            <a:endParaRPr lang="en-US" dirty="0" smtClean="0">
+              <a:solidFill>
+                <a:schemeClr val="tx1"/>
+              </a:solidFill>
+            </a:endParaRPr>
+          </a:p>
+        </p:txBody>
+      </p:sp>
+    </p:spTree>
+    <p:extLst>
+      <p:ext uri="{BB962C8B-B14F-4D97-AF65-F5344CB8AC3E}">
+        <p14:creationId xmlns:p14="http://schemas.microsoft.com/office/powerpoint/2010/main" val="3170845308"/>
       </p:ext>
     </p:extLst>
   </p:cSld>
@@ -9707,21 +9815,8 @@
                   <a:schemeClr val="tx1"/>
                 </a:solidFill>
               </a:rPr>
-              <a:t>Player vs Player (</a:t>
-            </a:r>
-            <a:r>
-              <a:rPr lang="en-US" dirty="0" smtClean="0">
-                <a:solidFill>
-                  <a:schemeClr val="tx1"/>
-                </a:solidFill>
-              </a:rPr>
-              <a:t>PvsP)</a:t>
-            </a:r>
-            <a:endParaRPr lang="en-US" dirty="0" smtClean="0">
-              <a:solidFill>
-                <a:schemeClr val="tx1"/>
-              </a:solidFill>
-            </a:endParaRPr>
+              <a:t>Player vs Player (PvsP)</a:t>
+            </a:r>
           </a:p>
           <a:p>
             <a:pPr marL="742950" lvl="1" indent="-285750" algn="l">
